--- a/CYB-630/Topic 1/The Fair Information Practice Principles - FIPPs - RCoon.pptx
+++ b/CYB-630/Topic 1/The Fair Information Practice Principles - FIPPs - RCoon.pptx
@@ -146,6 +146,35 @@
 <p:cmAuthorLst xmlns:a="http://schemas.openxmlformats.org/drawingml/2006/main" xmlns:r="http://schemas.openxmlformats.org/officeDocument/2006/relationships" xmlns:p="http://schemas.openxmlformats.org/presentationml/2006/main">
   <p:cmAuthor id="2" name="Author" initials="A" lastIdx="0" clrIdx="1"/>
 </p:cmAuthorLst>
+</file>
+
+<file path=ppt/changesInfos/changesInfo1.xml><?xml version="1.0" encoding="utf-8"?>
+<pc:chgInfo xmlns:a="http://schemas.openxmlformats.org/drawingml/2006/main" xmlns:r="http://schemas.openxmlformats.org/officeDocument/2006/relationships" xmlns:ac="http://schemas.microsoft.com/office/drawing/2013/main/command" xmlns:pc="http://schemas.microsoft.com/office/powerpoint/2013/main/command">
+  <pc:docChgLst>
+    <pc:chgData name="r coon" userId="ddadd9b5ea9c95e0" providerId="LiveId" clId="{60B4DD5F-F500-4695-8EE5-CA6EBC1D950F}"/>
+    <pc:docChg chg="modSld">
+      <pc:chgData name="r coon" userId="ddadd9b5ea9c95e0" providerId="LiveId" clId="{60B4DD5F-F500-4695-8EE5-CA6EBC1D950F}" dt="2025-05-15T02:52:39.756" v="3" actId="20577"/>
+      <pc:docMkLst>
+        <pc:docMk/>
+      </pc:docMkLst>
+      <pc:sldChg chg="modSp mod">
+        <pc:chgData name="r coon" userId="ddadd9b5ea9c95e0" providerId="LiveId" clId="{60B4DD5F-F500-4695-8EE5-CA6EBC1D950F}" dt="2025-05-15T02:52:39.756" v="3" actId="20577"/>
+        <pc:sldMkLst>
+          <pc:docMk/>
+          <pc:sldMk cId="3390304222" sldId="410"/>
+        </pc:sldMkLst>
+        <pc:spChg chg="mod">
+          <ac:chgData name="r coon" userId="ddadd9b5ea9c95e0" providerId="LiveId" clId="{60B4DD5F-F500-4695-8EE5-CA6EBC1D950F}" dt="2025-05-15T02:52:39.756" v="3" actId="20577"/>
+          <ac:spMkLst>
+            <pc:docMk/>
+            <pc:sldMk cId="3390304222" sldId="410"/>
+            <ac:spMk id="3" creationId="{FB49464D-02AD-89CB-6CA0-826F07FDBB32}"/>
+          </ac:spMkLst>
+        </pc:spChg>
+      </pc:sldChg>
+    </pc:docChg>
+  </pc:docChgLst>
+</pc:chgInfo>
 </file>
 
 <file path=ppt/handoutMasters/handoutMaster1.xml><?xml version="1.0" encoding="utf-8"?>
@@ -10717,7 +10746,7 @@
                   <a:schemeClr val="bg1"/>
                 </a:solidFill>
               </a:rPr>
-              <a:t>CYB-360</a:t>
+              <a:t>CYB-630</a:t>
             </a:r>
           </a:p>
           <a:p>
@@ -14669,15 +14698,6 @@
 </file>
 
 <file path=customXml/item1.xml><?xml version="1.0" encoding="utf-8"?>
-<?mso-contentType ?>
-<FormTemplates xmlns="http://schemas.microsoft.com/sharepoint/v3/contenttype/forms">
-  <Display>DocumentLibraryForm</Display>
-  <Edit>DocumentLibraryForm</Edit>
-  <New>DocumentLibraryForm</New>
-</FormTemplates>
-</file>
-
-<file path=customXml/item2.xml><?xml version="1.0" encoding="utf-8"?>
 <ct:contentTypeSchema xmlns:ct="http://schemas.microsoft.com/office/2006/metadata/contentType" xmlns:ma="http://schemas.microsoft.com/office/2006/metadata/properties/metaAttributes" ct:_="" ma:_="" ma:contentTypeName="Document" ma:contentTypeID="0x01010079F111ED35F8CC479449609E8A0923A6" ma:contentTypeVersion="28" ma:contentTypeDescription="Create a new document." ma:contentTypeScope="" ma:versionID="60f5a4f2d2b0abadcf532d48ebf9cb71">
   <xsd:schema xmlns:xsd="http://www.w3.org/2001/XMLSchema" xmlns:xs="http://www.w3.org/2001/XMLSchema" xmlns:p="http://schemas.microsoft.com/office/2006/metadata/properties" xmlns:ns1="http://schemas.microsoft.com/sharepoint/v3" xmlns:ns2="71af3243-3dd4-4a8d-8c0d-dd76da1f02a5" xmlns:ns3="16c05727-aa75-4e4a-9b5f-8a80a1165891" xmlns:ns4="230e9df3-be65-4c73-a93b-d1236ebd677e" targetNamespace="http://schemas.microsoft.com/office/2006/metadata/properties" ma:root="true" ma:fieldsID="7dd78129e6a1811f84807ad11c651531" ns1:_="" ns2:_="" ns3:_="" ns4:_="">
     <xsd:import namespace="http://schemas.microsoft.com/sharepoint/v3"/>
@@ -14989,6 +15009,15 @@
 </ct:contentTypeSchema>
 </file>
 
+<file path=customXml/item2.xml><?xml version="1.0" encoding="utf-8"?>
+<?mso-contentType ?>
+<FormTemplates xmlns="http://schemas.microsoft.com/sharepoint/v3/contenttype/forms">
+  <Display>DocumentLibraryForm</Display>
+  <Edit>DocumentLibraryForm</Edit>
+  <New>DocumentLibraryForm</New>
+</FormTemplates>
+</file>
+
 <file path=customXml/item3.xml><?xml version="1.0" encoding="utf-8"?>
 <p:properties xmlns:p="http://schemas.microsoft.com/office/2006/metadata/properties" xmlns:xsi="http://www.w3.org/2001/XMLSchema-instance" xmlns:pc="http://schemas.microsoft.com/office/infopath/2007/PartnerControls">
   <documentManagement>
@@ -15010,14 +15039,6 @@
 </file>
 
 <file path=customXml/itemProps1.xml><?xml version="1.0" encoding="utf-8"?>
-<ds:datastoreItem xmlns:ds="http://schemas.openxmlformats.org/officeDocument/2006/customXml" ds:itemID="{36D24F1A-6251-4B9A-A918-7D6F3A8F7E2A}">
-  <ds:schemaRefs>
-    <ds:schemaRef ds:uri="http://schemas.microsoft.com/sharepoint/v3/contenttype/forms"/>
-  </ds:schemaRefs>
-</ds:datastoreItem>
-</file>
-
-<file path=customXml/itemProps2.xml><?xml version="1.0" encoding="utf-8"?>
 <ds:datastoreItem xmlns:ds="http://schemas.openxmlformats.org/officeDocument/2006/customXml" ds:itemID="{A8A8ECD1-788F-484B-9043-D957FCFDF1FA}">
   <ds:schemaRefs>
     <ds:schemaRef ds:uri="http://schemas.microsoft.com/office/2006/metadata/contentType"/>
@@ -15038,6 +15059,14 @@
 </ds:datastoreItem>
 </file>
 
+<file path=customXml/itemProps2.xml><?xml version="1.0" encoding="utf-8"?>
+<ds:datastoreItem xmlns:ds="http://schemas.openxmlformats.org/officeDocument/2006/customXml" ds:itemID="{36D24F1A-6251-4B9A-A918-7D6F3A8F7E2A}">
+  <ds:schemaRefs>
+    <ds:schemaRef ds:uri="http://schemas.microsoft.com/sharepoint/v3/contenttype/forms"/>
+  </ds:schemaRefs>
+</ds:datastoreItem>
+</file>
+
 <file path=customXml/itemProps3.xml><?xml version="1.0" encoding="utf-8"?>
 <ds:datastoreItem xmlns:ds="http://schemas.openxmlformats.org/officeDocument/2006/customXml" ds:itemID="{CA0FE134-9032-4C7F-BC57-C7DE3F833363}">
   <ds:schemaRefs>
